--- a/Presentations/PDR.pptx
+++ b/Presentations/PDR.pptx
@@ -2939,42 +2939,6 @@
         </a:p>
       </dgm:t>
     </dgm:pt>
-    <dgm:pt modelId="{8FA0ACB3-00FB-4BBA-93DA-4CAAAF27151F}">
-      <dgm:prSet/>
-      <dgm:spPr/>
-      <dgm:t>
-        <a:bodyPr/>
-        <a:lstStyle/>
-        <a:p>
-          <a:r>
-            <a:rPr lang="en-US" dirty="0" smtClean="0"/>
-            <a:t>Not allow for automated spamming.</a:t>
-          </a:r>
-        </a:p>
-      </dgm:t>
-    </dgm:pt>
-    <dgm:pt modelId="{FCAD73E5-4EEC-45A1-AA92-8EE545C4EA5E}" type="parTrans" cxnId="{561E0F04-FD23-4D4E-8730-8813342244D6}">
-      <dgm:prSet/>
-      <dgm:spPr/>
-      <dgm:t>
-        <a:bodyPr/>
-        <a:lstStyle/>
-        <a:p>
-          <a:endParaRPr lang="en-US"/>
-        </a:p>
-      </dgm:t>
-    </dgm:pt>
-    <dgm:pt modelId="{65D80577-5C52-46CE-B28F-6891E38918EB}" type="sibTrans" cxnId="{561E0F04-FD23-4D4E-8730-8813342244D6}">
-      <dgm:prSet/>
-      <dgm:spPr/>
-      <dgm:t>
-        <a:bodyPr/>
-        <a:lstStyle/>
-        <a:p>
-          <a:endParaRPr lang="en-US"/>
-        </a:p>
-      </dgm:t>
-    </dgm:pt>
     <dgm:pt modelId="{3A1A8373-93F0-412B-B4BA-805C96D77CA1}">
       <dgm:prSet/>
       <dgm:spPr/>
@@ -3037,42 +3001,6 @@
       </dgm:t>
     </dgm:pt>
     <dgm:pt modelId="{51B13E36-5F59-4500-A041-7E6C48A16975}" type="sibTrans" cxnId="{35A8002B-103D-44EB-BB02-07E8356EECF8}">
-      <dgm:prSet/>
-      <dgm:spPr/>
-      <dgm:t>
-        <a:bodyPr/>
-        <a:lstStyle/>
-        <a:p>
-          <a:endParaRPr lang="en-US"/>
-        </a:p>
-      </dgm:t>
-    </dgm:pt>
-    <dgm:pt modelId="{0CD7446A-9BA1-4526-85AF-E0857FA2A09E}">
-      <dgm:prSet/>
-      <dgm:spPr/>
-      <dgm:t>
-        <a:bodyPr/>
-        <a:lstStyle/>
-        <a:p>
-          <a:r>
-            <a:rPr lang="en-US" dirty="0" smtClean="0"/>
-            <a:t>Store previous caption versions.</a:t>
-          </a:r>
-        </a:p>
-      </dgm:t>
-    </dgm:pt>
-    <dgm:pt modelId="{92F15A59-929B-4DCF-A5C6-5ACC068639B2}" type="parTrans" cxnId="{D42792C6-22C5-46BF-8793-1D07FFDC02FA}">
-      <dgm:prSet/>
-      <dgm:spPr/>
-      <dgm:t>
-        <a:bodyPr/>
-        <a:lstStyle/>
-        <a:p>
-          <a:endParaRPr lang="en-US"/>
-        </a:p>
-      </dgm:t>
-    </dgm:pt>
-    <dgm:pt modelId="{F2B69293-7BF2-45B1-82DC-43AFAD1F16F1}" type="sibTrans" cxnId="{D42792C6-22C5-46BF-8793-1D07FFDC02FA}">
       <dgm:prSet/>
       <dgm:spPr/>
       <dgm:t>
@@ -3155,6 +3083,29 @@
         </a:p>
       </dgm:t>
     </dgm:pt>
+    <dgm:pt modelId="{9B9576ED-A082-4A72-A15B-B8BBF6E5DEDB}">
+      <dgm:prSet/>
+      <dgm:spPr/>
+      <dgm:t>
+        <a:bodyPr/>
+        <a:lstStyle/>
+        <a:p>
+          <a:r>
+            <a:rPr lang="en-US" dirty="0" smtClean="0"/>
+            <a:t>Not allow for automated spamming.</a:t>
+          </a:r>
+          <a:endParaRPr lang="en-US" dirty="0" smtClean="0"/>
+        </a:p>
+      </dgm:t>
+    </dgm:pt>
+    <dgm:pt modelId="{E3509C99-3395-4CD4-998D-A883D3AEB196}" type="parTrans" cxnId="{BCFB9936-AC39-4472-A2AE-4B9879CFE67A}">
+      <dgm:prSet/>
+      <dgm:spPr/>
+    </dgm:pt>
+    <dgm:pt modelId="{B2FAD38C-E8C1-4358-8EF7-7984A451FF56}" type="sibTrans" cxnId="{BCFB9936-AC39-4472-A2AE-4B9879CFE67A}">
+      <dgm:prSet/>
+      <dgm:spPr/>
+    </dgm:pt>
     <dgm:pt modelId="{F3E948EE-4371-45E5-A293-95F38FE809F0}" type="pres">
       <dgm:prSet presAssocID="{8722A5F9-14D6-4CE9-8029-B2CF02479303}" presName="linear" presStyleCnt="0">
         <dgm:presLayoutVars>
@@ -3225,26 +3176,24 @@
   </dgm:ptLst>
   <dgm:cxnLst>
     <dgm:cxn modelId="{FD9A6F06-1E04-412B-8A53-7A8D2C21433C}" srcId="{8722A5F9-14D6-4CE9-8029-B2CF02479303}" destId="{39BF1797-AF98-49D0-B587-7D2FE95969A2}" srcOrd="0" destOrd="0" parTransId="{CD028AA3-64A4-4E2E-8C2F-4BAEF5505FA7}" sibTransId="{ACF75458-FC9C-4C43-A7BA-A864A08453E4}"/>
-    <dgm:cxn modelId="{AB10CAF6-E4CD-4E8A-A7AC-8B1E8744C747}" type="presOf" srcId="{0CD7446A-9BA1-4526-85AF-E0857FA2A09E}" destId="{CA1E2BF1-B0AB-4895-B69A-2F7B3B42EF3C}" srcOrd="0" destOrd="6" presId="urn:microsoft.com/office/officeart/2005/8/layout/list1"/>
-    <dgm:cxn modelId="{94689744-2527-497E-A0D2-3DFE53CDCC48}" type="presOf" srcId="{87BB7EE1-4D29-4CCA-B372-B95AED09D489}" destId="{CA1E2BF1-B0AB-4895-B69A-2F7B3B42EF3C}" srcOrd="0" destOrd="5" presId="urn:microsoft.com/office/officeart/2005/8/layout/list1"/>
+    <dgm:cxn modelId="{94689744-2527-497E-A0D2-3DFE53CDCC48}" type="presOf" srcId="{87BB7EE1-4D29-4CCA-B372-B95AED09D489}" destId="{CA1E2BF1-B0AB-4895-B69A-2F7B3B42EF3C}" srcOrd="0" destOrd="4" presId="urn:microsoft.com/office/officeart/2005/8/layout/list1"/>
     <dgm:cxn modelId="{2A7B574D-4120-42D5-8871-A79FF3B4AD34}" srcId="{39BF1797-AF98-49D0-B587-7D2FE95969A2}" destId="{503CAA97-8D3C-42CD-9A3B-444A1F5ED98C}" srcOrd="0" destOrd="0" parTransId="{BF4B4505-4A47-412F-AF57-D908D859F72A}" sibTransId="{E5D42D31-2624-45A6-BC87-B81BFF956858}"/>
-    <dgm:cxn modelId="{5815EABC-04BE-491E-9D46-907267B19B93}" srcId="{39BF1797-AF98-49D0-B587-7D2FE95969A2}" destId="{38A9EB49-481C-4EA6-A845-E9C8E8E1E544}" srcOrd="7" destOrd="0" parTransId="{3EB4D554-6EAC-49E0-B5A3-1666E7473029}" sibTransId="{64EC4285-3C46-4A9D-A7AA-D6E99B5D3B3C}"/>
+    <dgm:cxn modelId="{A4594990-AD20-4859-993D-DA945A3AC89B}" type="presOf" srcId="{9B9576ED-A082-4A72-A15B-B8BBF6E5DEDB}" destId="{CA1E2BF1-B0AB-4895-B69A-2F7B3B42EF3C}" srcOrd="0" destOrd="5" presId="urn:microsoft.com/office/officeart/2005/8/layout/list1"/>
+    <dgm:cxn modelId="{5815EABC-04BE-491E-9D46-907267B19B93}" srcId="{39BF1797-AF98-49D0-B587-7D2FE95969A2}" destId="{38A9EB49-481C-4EA6-A845-E9C8E8E1E544}" srcOrd="6" destOrd="0" parTransId="{3EB4D554-6EAC-49E0-B5A3-1666E7473029}" sibTransId="{64EC4285-3C46-4A9D-A7AA-D6E99B5D3B3C}"/>
+    <dgm:cxn modelId="{BCFB9936-AC39-4472-A2AE-4B9879CFE67A}" srcId="{39BF1797-AF98-49D0-B587-7D2FE95969A2}" destId="{9B9576ED-A082-4A72-A15B-B8BBF6E5DEDB}" srcOrd="5" destOrd="0" parTransId="{E3509C99-3395-4CD4-998D-A883D3AEB196}" sibTransId="{B2FAD38C-E8C1-4358-8EF7-7984A451FF56}"/>
     <dgm:cxn modelId="{B78797E4-AF57-4FA4-AABF-7725F2132ECD}" type="presOf" srcId="{39BF1797-AF98-49D0-B587-7D2FE95969A2}" destId="{64E50D1E-8A31-464C-A4D7-88F5B75EF846}" srcOrd="1" destOrd="0" presId="urn:microsoft.com/office/officeart/2005/8/layout/list1"/>
-    <dgm:cxn modelId="{B8903EE4-5A9E-40D4-A788-9801C4EDEFC3}" type="presOf" srcId="{3A1A8373-93F0-412B-B4BA-805C96D77CA1}" destId="{CA1E2BF1-B0AB-4895-B69A-2F7B3B42EF3C}" srcOrd="0" destOrd="4" presId="urn:microsoft.com/office/officeart/2005/8/layout/list1"/>
-    <dgm:cxn modelId="{04CEC6D5-46D6-435C-8EBE-00E31ABDF58D}" srcId="{39BF1797-AF98-49D0-B587-7D2FE95969A2}" destId="{FFCCCDC9-8BD7-4070-8BB1-F49AA4C0621F}" srcOrd="8" destOrd="0" parTransId="{B0B6DEED-2D2D-49D8-ADB5-DDAC3CF719BA}" sibTransId="{952BAB00-ED01-4E6D-A4C0-2F9D9BE55E81}"/>
-    <dgm:cxn modelId="{AEFF315C-69F8-4D21-B004-55953805E34D}" srcId="{39BF1797-AF98-49D0-B587-7D2FE95969A2}" destId="{3A1A8373-93F0-412B-B4BA-805C96D77CA1}" srcOrd="4" destOrd="0" parTransId="{28A8909A-A266-43A5-AF39-E13B51A0BB07}" sibTransId="{8648FEFC-0A6B-4E3A-8591-42F74125DE6F}"/>
-    <dgm:cxn modelId="{154B3CAF-12C2-4786-BF03-E299A66BEFF9}" type="presOf" srcId="{8FA0ACB3-00FB-4BBA-93DA-4CAAAF27151F}" destId="{CA1E2BF1-B0AB-4895-B69A-2F7B3B42EF3C}" srcOrd="0" destOrd="3" presId="urn:microsoft.com/office/officeart/2005/8/layout/list1"/>
-    <dgm:cxn modelId="{043BB980-B719-4A97-A617-0308712ACED0}" type="presOf" srcId="{FFCCCDC9-8BD7-4070-8BB1-F49AA4C0621F}" destId="{CA1E2BF1-B0AB-4895-B69A-2F7B3B42EF3C}" srcOrd="0" destOrd="8" presId="urn:microsoft.com/office/officeart/2005/8/layout/list1"/>
+    <dgm:cxn modelId="{B8903EE4-5A9E-40D4-A788-9801C4EDEFC3}" type="presOf" srcId="{3A1A8373-93F0-412B-B4BA-805C96D77CA1}" destId="{CA1E2BF1-B0AB-4895-B69A-2F7B3B42EF3C}" srcOrd="0" destOrd="3" presId="urn:microsoft.com/office/officeart/2005/8/layout/list1"/>
+    <dgm:cxn modelId="{04CEC6D5-46D6-435C-8EBE-00E31ABDF58D}" srcId="{39BF1797-AF98-49D0-B587-7D2FE95969A2}" destId="{FFCCCDC9-8BD7-4070-8BB1-F49AA4C0621F}" srcOrd="7" destOrd="0" parTransId="{B0B6DEED-2D2D-49D8-ADB5-DDAC3CF719BA}" sibTransId="{952BAB00-ED01-4E6D-A4C0-2F9D9BE55E81}"/>
+    <dgm:cxn modelId="{AEFF315C-69F8-4D21-B004-55953805E34D}" srcId="{39BF1797-AF98-49D0-B587-7D2FE95969A2}" destId="{3A1A8373-93F0-412B-B4BA-805C96D77CA1}" srcOrd="3" destOrd="0" parTransId="{28A8909A-A266-43A5-AF39-E13B51A0BB07}" sibTransId="{8648FEFC-0A6B-4E3A-8591-42F74125DE6F}"/>
+    <dgm:cxn modelId="{043BB980-B719-4A97-A617-0308712ACED0}" type="presOf" srcId="{FFCCCDC9-8BD7-4070-8BB1-F49AA4C0621F}" destId="{CA1E2BF1-B0AB-4895-B69A-2F7B3B42EF3C}" srcOrd="0" destOrd="7" presId="urn:microsoft.com/office/officeart/2005/8/layout/list1"/>
     <dgm:cxn modelId="{2BDE1690-3026-4351-9364-D3C4B0A8281E}" type="presOf" srcId="{503CAA97-8D3C-42CD-9A3B-444A1F5ED98C}" destId="{CA1E2BF1-B0AB-4895-B69A-2F7B3B42EF3C}" srcOrd="0" destOrd="0" presId="urn:microsoft.com/office/officeart/2005/8/layout/list1"/>
     <dgm:cxn modelId="{9773EA84-B4AB-40BD-AD6C-5450244DEFA7}" type="presOf" srcId="{7B0F4F9E-478D-4EED-8F73-DB662091163B}" destId="{CA1E2BF1-B0AB-4895-B69A-2F7B3B42EF3C}" srcOrd="0" destOrd="1" presId="urn:microsoft.com/office/officeart/2005/8/layout/list1"/>
-    <dgm:cxn modelId="{9CD96BAF-1E8E-40BD-8C74-837254B80DE5}" type="presOf" srcId="{38A9EB49-481C-4EA6-A845-E9C8E8E1E544}" destId="{CA1E2BF1-B0AB-4895-B69A-2F7B3B42EF3C}" srcOrd="0" destOrd="7" presId="urn:microsoft.com/office/officeart/2005/8/layout/list1"/>
+    <dgm:cxn modelId="{9CD96BAF-1E8E-40BD-8C74-837254B80DE5}" type="presOf" srcId="{38A9EB49-481C-4EA6-A845-E9C8E8E1E544}" destId="{CA1E2BF1-B0AB-4895-B69A-2F7B3B42EF3C}" srcOrd="0" destOrd="6" presId="urn:microsoft.com/office/officeart/2005/8/layout/list1"/>
     <dgm:cxn modelId="{38909320-D270-4DD8-985B-2E201743930F}" type="presOf" srcId="{7973E9F7-F023-457A-B616-0300C5072C3A}" destId="{CA1E2BF1-B0AB-4895-B69A-2F7B3B42EF3C}" srcOrd="0" destOrd="2" presId="urn:microsoft.com/office/officeart/2005/8/layout/list1"/>
     <dgm:cxn modelId="{E84BB915-9E93-400B-AFDA-7EF0E3C388C9}" type="presOf" srcId="{8722A5F9-14D6-4CE9-8029-B2CF02479303}" destId="{F3E948EE-4371-45E5-A293-95F38FE809F0}" srcOrd="0" destOrd="0" presId="urn:microsoft.com/office/officeart/2005/8/layout/list1"/>
     <dgm:cxn modelId="{93236B52-AF51-4C00-A48D-BC2FBA481EB9}" srcId="{39BF1797-AF98-49D0-B587-7D2FE95969A2}" destId="{7B0F4F9E-478D-4EED-8F73-DB662091163B}" srcOrd="1" destOrd="0" parTransId="{282F2255-B34A-4BDD-8C14-2E7F7F37DFD6}" sibTransId="{4C206C40-2E5F-4996-AF91-9A4CBFE4CC37}"/>
-    <dgm:cxn modelId="{D42792C6-22C5-46BF-8793-1D07FFDC02FA}" srcId="{39BF1797-AF98-49D0-B587-7D2FE95969A2}" destId="{0CD7446A-9BA1-4526-85AF-E0857FA2A09E}" srcOrd="6" destOrd="0" parTransId="{92F15A59-929B-4DCF-A5C6-5ACC068639B2}" sibTransId="{F2B69293-7BF2-45B1-82DC-43AFAD1F16F1}"/>
     <dgm:cxn modelId="{6C7859C2-6BDC-48A0-B9E2-6CE41255A9C6}" srcId="{39BF1797-AF98-49D0-B587-7D2FE95969A2}" destId="{7973E9F7-F023-457A-B616-0300C5072C3A}" srcOrd="2" destOrd="0" parTransId="{8F4CBCF4-7048-43E0-A6A6-EF48447175EC}" sibTransId="{8860994C-7409-4A9F-BCE1-0BB2C901CC49}"/>
-    <dgm:cxn modelId="{561E0F04-FD23-4D4E-8730-8813342244D6}" srcId="{39BF1797-AF98-49D0-B587-7D2FE95969A2}" destId="{8FA0ACB3-00FB-4BBA-93DA-4CAAAF27151F}" srcOrd="3" destOrd="0" parTransId="{FCAD73E5-4EEC-45A1-AA92-8EE545C4EA5E}" sibTransId="{65D80577-5C52-46CE-B28F-6891E38918EB}"/>
-    <dgm:cxn modelId="{35A8002B-103D-44EB-BB02-07E8356EECF8}" srcId="{39BF1797-AF98-49D0-B587-7D2FE95969A2}" destId="{87BB7EE1-4D29-4CCA-B372-B95AED09D489}" srcOrd="5" destOrd="0" parTransId="{5237AE63-7B85-4892-86EB-A039B1AB1B71}" sibTransId="{51B13E36-5F59-4500-A041-7E6C48A16975}"/>
+    <dgm:cxn modelId="{35A8002B-103D-44EB-BB02-07E8356EECF8}" srcId="{39BF1797-AF98-49D0-B587-7D2FE95969A2}" destId="{87BB7EE1-4D29-4CCA-B372-B95AED09D489}" srcOrd="4" destOrd="0" parTransId="{5237AE63-7B85-4892-86EB-A039B1AB1B71}" sibTransId="{51B13E36-5F59-4500-A041-7E6C48A16975}"/>
     <dgm:cxn modelId="{A91ABE52-DAAC-4AFA-9AD1-AB1173AC23A3}" type="presOf" srcId="{39BF1797-AF98-49D0-B587-7D2FE95969A2}" destId="{2F0261AD-2B76-42EE-9B5C-41042C74716E}" srcOrd="0" destOrd="0" presId="urn:microsoft.com/office/officeart/2005/8/layout/list1"/>
     <dgm:cxn modelId="{048EC641-05BB-45B8-881B-8F90A4C7BE88}" type="presParOf" srcId="{F3E948EE-4371-45E5-A293-95F38FE809F0}" destId="{5036D28F-CD75-4039-839E-C1495AE813FA}" srcOrd="0" destOrd="0" presId="urn:microsoft.com/office/officeart/2005/8/layout/list1"/>
     <dgm:cxn modelId="{7A60DC46-97E7-41B3-97C1-CCA30D2E4C9B}" type="presParOf" srcId="{5036D28F-CD75-4039-839E-C1495AE813FA}" destId="{2F0261AD-2B76-42EE-9B5C-41042C74716E}" srcOrd="0" destOrd="0" presId="urn:microsoft.com/office/officeart/2005/8/layout/list1"/>
@@ -7481,7 +7430,7 @@
             <a:fld id="{1FB0864C-F685-4FFD-BE36-4343730639A9}" type="datetimeFigureOut">
               <a:rPr lang="en-US" smtClean="0"/>
               <a:pPr/>
-              <a:t>3/11/2008</a:t>
+              <a:t>3/12/2008</a:t>
             </a:fld>
             <a:endParaRPr lang="en-US"/>
           </a:p>
@@ -9643,7 +9592,7 @@
             <a:fld id="{B499EF50-2ED6-46C9-A7FA-F8E757BDF917}" type="datetimeFigureOut">
               <a:rPr lang="en-US" smtClean="0"/>
               <a:pPr/>
-              <a:t>3/11/2008</a:t>
+              <a:t>3/12/2008</a:t>
             </a:fld>
             <a:endParaRPr lang="en-US"/>
           </a:p>
@@ -9810,7 +9759,7 @@
             <a:fld id="{B499EF50-2ED6-46C9-A7FA-F8E757BDF917}" type="datetimeFigureOut">
               <a:rPr lang="en-US" smtClean="0"/>
               <a:pPr/>
-              <a:t>3/11/2008</a:t>
+              <a:t>3/12/2008</a:t>
             </a:fld>
             <a:endParaRPr lang="en-US"/>
           </a:p>
@@ -9987,7 +9936,7 @@
             <a:fld id="{B499EF50-2ED6-46C9-A7FA-F8E757BDF917}" type="datetimeFigureOut">
               <a:rPr lang="en-US" smtClean="0"/>
               <a:pPr/>
-              <a:t>3/11/2008</a:t>
+              <a:t>3/12/2008</a:t>
             </a:fld>
             <a:endParaRPr lang="en-US"/>
           </a:p>
@@ -10154,7 +10103,7 @@
             <a:fld id="{B499EF50-2ED6-46C9-A7FA-F8E757BDF917}" type="datetimeFigureOut">
               <a:rPr lang="en-US" smtClean="0"/>
               <a:pPr/>
-              <a:t>3/11/2008</a:t>
+              <a:t>3/12/2008</a:t>
             </a:fld>
             <a:endParaRPr lang="en-US"/>
           </a:p>
@@ -10398,7 +10347,7 @@
             <a:fld id="{B499EF50-2ED6-46C9-A7FA-F8E757BDF917}" type="datetimeFigureOut">
               <a:rPr lang="en-US" smtClean="0"/>
               <a:pPr/>
-              <a:t>3/11/2008</a:t>
+              <a:t>3/12/2008</a:t>
             </a:fld>
             <a:endParaRPr lang="en-US"/>
           </a:p>
@@ -10664,7 +10613,7 @@
             <a:fld id="{B499EF50-2ED6-46C9-A7FA-F8E757BDF917}" type="datetimeFigureOut">
               <a:rPr lang="en-US" smtClean="0"/>
               <a:pPr/>
-              <a:t>3/11/2008</a:t>
+              <a:t>3/12/2008</a:t>
             </a:fld>
             <a:endParaRPr lang="en-US"/>
           </a:p>
@@ -11044,7 +10993,7 @@
             <a:fld id="{B499EF50-2ED6-46C9-A7FA-F8E757BDF917}" type="datetimeFigureOut">
               <a:rPr lang="en-US" smtClean="0"/>
               <a:pPr/>
-              <a:t>3/11/2008</a:t>
+              <a:t>3/12/2008</a:t>
             </a:fld>
             <a:endParaRPr lang="en-US"/>
           </a:p>
@@ -11196,7 +11145,7 @@
             <a:fld id="{B499EF50-2ED6-46C9-A7FA-F8E757BDF917}" type="datetimeFigureOut">
               <a:rPr lang="en-US" smtClean="0"/>
               <a:pPr/>
-              <a:t>3/11/2008</a:t>
+              <a:t>3/12/2008</a:t>
             </a:fld>
             <a:endParaRPr lang="en-US"/>
           </a:p>
@@ -11288,7 +11237,7 @@
             <a:fld id="{B499EF50-2ED6-46C9-A7FA-F8E757BDF917}" type="datetimeFigureOut">
               <a:rPr lang="en-US" smtClean="0"/>
               <a:pPr/>
-              <a:t>3/11/2008</a:t>
+              <a:t>3/12/2008</a:t>
             </a:fld>
             <a:endParaRPr lang="en-US"/>
           </a:p>
@@ -11551,7 +11500,7 @@
             <a:fld id="{B499EF50-2ED6-46C9-A7FA-F8E757BDF917}" type="datetimeFigureOut">
               <a:rPr lang="en-US" smtClean="0"/>
               <a:pPr/>
-              <a:t>3/11/2008</a:t>
+              <a:t>3/12/2008</a:t>
             </a:fld>
             <a:endParaRPr lang="en-US"/>
           </a:p>
@@ -11841,7 +11790,7 @@
             <a:fld id="{B499EF50-2ED6-46C9-A7FA-F8E757BDF917}" type="datetimeFigureOut">
               <a:rPr lang="en-US" smtClean="0"/>
               <a:pPr/>
-              <a:t>3/11/2008</a:t>
+              <a:t>3/12/2008</a:t>
             </a:fld>
             <a:endParaRPr lang="en-US"/>
           </a:p>
@@ -12614,7 +12563,7 @@
             <a:fld id="{B499EF50-2ED6-46C9-A7FA-F8E757BDF917}" type="datetimeFigureOut">
               <a:rPr lang="en-US" smtClean="0"/>
               <a:pPr/>
-              <a:t>3/11/2008</a:t>
+              <a:t>3/12/2008</a:t>
             </a:fld>
             <a:endParaRPr lang="en-US"/>
           </a:p>
@@ -15073,11 +15022,7 @@
           <a:p>
             <a:r>
               <a:rPr lang="en-US" dirty="0" smtClean="0"/>
-              <a:t>Being able to overlay captions to videos that reside on remote domains. </a:t>
-            </a:r>
-            <a:r>
-              <a:rPr lang="en-US" dirty="0" smtClean="0"/>
-              <a:t> -</a:t>
+              <a:t>Being able to overlay captions to videos that reside on remote domains.  -</a:t>
             </a:r>
             <a:r>
               <a:rPr lang="en-US" i="1" dirty="0" smtClean="0"/>
@@ -15090,15 +15035,7 @@
           <a:p>
             <a:r>
               <a:rPr lang="en-US" dirty="0" smtClean="0"/>
-              <a:t>The </a:t>
-            </a:r>
-            <a:r>
-              <a:rPr lang="en-US" dirty="0" smtClean="0"/>
-              <a:t>ability to control Flash videos through a SWF player. </a:t>
-            </a:r>
-            <a:r>
-              <a:rPr lang="en-US" dirty="0" smtClean="0"/>
-              <a:t>–</a:t>
+              <a:t>The ability to control Flash videos through a SWF player. –</a:t>
             </a:r>
             <a:r>
               <a:rPr lang="en-US" i="1" dirty="0" smtClean="0"/>
@@ -15119,11 +15056,7 @@
             </a:r>
             <a:r>
               <a:rPr lang="en-US" dirty="0" smtClean="0"/>
-              <a:t> associated with it. </a:t>
-            </a:r>
-            <a:r>
-              <a:rPr lang="en-US" dirty="0" smtClean="0"/>
-              <a:t>–</a:t>
+              <a:t> associated with it. –</a:t>
             </a:r>
             <a:r>
               <a:rPr lang="en-US" i="1" dirty="0" smtClean="0"/>
@@ -15136,17 +15069,12 @@
           <a:p>
             <a:r>
               <a:rPr lang="en-US" dirty="0" smtClean="0"/>
-              <a:t>The possibility that users may store incorrect captions</a:t>
-            </a:r>
-            <a:r>
-              <a:rPr lang="en-US" dirty="0" smtClean="0"/>
-              <a:t>. –</a:t>
+              <a:t>The possibility that users may store incorrect captions. –</a:t>
             </a:r>
             <a:r>
               <a:rPr lang="en-US" i="1" dirty="0" smtClean="0"/>
               <a:t>We have decided on an open and free environment and rely on the community for quality control.  Version rollback will also be available.</a:t>
             </a:r>
-            <a:endParaRPr lang="en-US" i="1" dirty="0" smtClean="0"/>
           </a:p>
           <a:p>
             <a:pPr>
@@ -15228,7 +15156,23 @@
           <a:p>
             <a:r>
               <a:rPr lang="en-US" dirty="0" smtClean="0"/>
-              <a:t>Our project concept is an open source, community-driven online video closed captioning tool. This tool will help hearing impaired people experience the wealth of online “Web 2.0” media content available today with no captions. We our most likely going to scope the project to YouTube given the timeframe but it would be idea to eventually allow captioning of all types of media so our backend application will be written with this in mind. </a:t>
+              <a:t>Our project concept is an open source, community-driven online video closed captioning tool. This tool will help hearing impaired people experience the wealth of online “Web 2.0” media content available today with no captions. </a:t>
+            </a:r>
+            <a:r>
+              <a:rPr lang="en-US" dirty="0" smtClean="0"/>
+              <a:t>We are going to scope the project to YouTube given </a:t>
+            </a:r>
+            <a:r>
+              <a:rPr lang="en-US" dirty="0" smtClean="0"/>
+              <a:t>the timeframe but it would be </a:t>
+            </a:r>
+            <a:r>
+              <a:rPr lang="en-US" dirty="0" smtClean="0"/>
+              <a:t>ideal </a:t>
+            </a:r>
+            <a:r>
+              <a:rPr lang="en-US" dirty="0" smtClean="0"/>
+              <a:t>to eventually allow captioning of all types of media so our backend application will be written with this in mind. </a:t>
             </a:r>
             <a:endParaRPr lang="en-US" dirty="0"/>
           </a:p>
@@ -15301,12 +15245,98 @@
         </p:nvSpPr>
         <p:spPr/>
         <p:txBody>
-          <a:bodyPr/>
+          <a:bodyPr>
+            <a:normAutofit/>
+          </a:bodyPr>
           <a:lstStyle/>
           <a:p>
             <a:r>
               <a:rPr lang="en-US" dirty="0" smtClean="0"/>
-              <a:t>"Our project is a community-driven web media captioning tool, it's important because the hearing-impaired community cannot fully experience much of the “Web 2.0” video content currently available online, it's difficult because the team does not have a lot of experience with manipulating FLV media, and we are confident we can do it because we have a strong team, good design, are in the process of extensive research on the subject, and have a strong motivation to succeed."</a:t>
+              <a:t>"Our project is a community-driven web media captioning </a:t>
+            </a:r>
+            <a:r>
+              <a:rPr lang="en-US" dirty="0" smtClean="0"/>
+              <a:t>tool. The goal is to aid </a:t>
+            </a:r>
+            <a:r>
+              <a:rPr lang="en-US" dirty="0" smtClean="0"/>
+              <a:t>the hearing-impaired community </a:t>
+            </a:r>
+            <a:r>
+              <a:rPr lang="en-US" dirty="0" smtClean="0"/>
+              <a:t>to </a:t>
+            </a:r>
+            <a:r>
+              <a:rPr lang="en-US" dirty="0" smtClean="0"/>
+              <a:t>fully experience </a:t>
+            </a:r>
+            <a:r>
+              <a:rPr lang="en-US" dirty="0" smtClean="0"/>
+              <a:t>“</a:t>
+            </a:r>
+            <a:r>
+              <a:rPr lang="en-US" dirty="0" smtClean="0"/>
+              <a:t>Web 2.0” video content currently available </a:t>
+            </a:r>
+            <a:r>
+              <a:rPr lang="en-US" dirty="0" smtClean="0"/>
+              <a:t>online. </a:t>
+            </a:r>
+            <a:r>
+              <a:rPr lang="en-US" dirty="0" smtClean="0"/>
+              <a:t>I</a:t>
+            </a:r>
+            <a:r>
+              <a:rPr lang="en-US" dirty="0" smtClean="0"/>
+              <a:t>t is a challenging mission to us </a:t>
+            </a:r>
+            <a:r>
+              <a:rPr lang="en-US" dirty="0" smtClean="0"/>
+              <a:t>because the team does not have a lot of experience with manipulating FLV </a:t>
+            </a:r>
+            <a:r>
+              <a:rPr lang="en-US" dirty="0" smtClean="0"/>
+              <a:t>media. However,  we </a:t>
+            </a:r>
+            <a:r>
+              <a:rPr lang="en-US" dirty="0" smtClean="0"/>
+              <a:t>are confident </a:t>
+            </a:r>
+            <a:r>
+              <a:rPr lang="en-US" dirty="0" smtClean="0"/>
+              <a:t>because </a:t>
+            </a:r>
+            <a:r>
+              <a:rPr lang="en-US" dirty="0" smtClean="0"/>
+              <a:t>we have a </a:t>
+            </a:r>
+            <a:r>
+              <a:rPr lang="en-US" dirty="0" smtClean="0"/>
+              <a:t>creative, thoughtful, and intelligent </a:t>
+            </a:r>
+            <a:r>
+              <a:rPr lang="en-US" dirty="0" smtClean="0"/>
+              <a:t>team. Along with </a:t>
+            </a:r>
+            <a:r>
+              <a:rPr lang="en-US" dirty="0" smtClean="0"/>
+              <a:t>good design, </a:t>
+            </a:r>
+            <a:r>
+              <a:rPr lang="en-US" dirty="0" smtClean="0"/>
+              <a:t>we are in </a:t>
+            </a:r>
+            <a:r>
+              <a:rPr lang="en-US" dirty="0" smtClean="0"/>
+              <a:t>the process of extensive research on the </a:t>
+            </a:r>
+            <a:r>
+              <a:rPr lang="en-US" dirty="0" smtClean="0"/>
+              <a:t>subject with a </a:t>
+            </a:r>
+            <a:r>
+              <a:rPr lang="en-US" dirty="0" smtClean="0"/>
+              <a:t>strong motivation to succeed."</a:t>
             </a:r>
             <a:endParaRPr lang="en-US" dirty="0"/>
           </a:p>
